--- a/Documentation/295B_Group3_RateMyCode.pptx
+++ b/Documentation/295B_Group3_RateMyCode.pptx
@@ -129,10 +129,6 @@
 </p:presentation>
 </file>
 
-<file path=ppt/revisionInfo.xml><?xml version="1.0" encoding="utf-8"?>
-<p1510:revInfo xmlns:a="http://schemas.openxmlformats.org/drawingml/2006/main" xmlns:r="http://schemas.openxmlformats.org/officeDocument/2006/relationships" xmlns:p1510="http://schemas.microsoft.com/office/powerpoint/2015/10/main"/>
-</file>
-
 <file path=ppt/notesMasters/notesMaster1.xml><?xml version="1.0" encoding="utf-8"?>
 <p:notesMaster xmlns:a="http://schemas.openxmlformats.org/drawingml/2006/main" xmlns:r="http://schemas.openxmlformats.org/officeDocument/2006/relationships" xmlns:p="http://schemas.openxmlformats.org/presentationml/2006/main">
   <p:cSld>
@@ -215,7 +211,7 @@
           <a:p>
             <a:fld id="{C957E73D-9145-4448-90FA-BB99525CF4F6}" type="datetimeFigureOut">
               <a:rPr lang="en-US" smtClean="0"/>
-              <a:t>5/28/2018</a:t>
+              <a:t>7/19/2018</a:t>
             </a:fld>
             <a:endParaRPr lang="en-US"/>
           </a:p>
@@ -728,7 +724,7 @@
             <a:fld id="{B61BEF0D-F0BB-DE4B-95CE-6DB70DBA9567}" type="datetimeFigureOut">
               <a:rPr lang="en-US" dirty="0"/>
               <a:pPr/>
-              <a:t>5/28/2018</a:t>
+              <a:t>7/19/2018</a:t>
             </a:fld>
             <a:endParaRPr lang="en-US" dirty="0"/>
           </a:p>
@@ -987,7 +983,7 @@
             <a:fld id="{B61BEF0D-F0BB-DE4B-95CE-6DB70DBA9567}" type="datetimeFigureOut">
               <a:rPr lang="en-US" dirty="0"/>
               <a:pPr/>
-              <a:t>5/28/2018</a:t>
+              <a:t>7/19/2018</a:t>
             </a:fld>
             <a:endParaRPr lang="en-US" dirty="0"/>
           </a:p>
@@ -1219,7 +1215,7 @@
             <a:fld id="{B61BEF0D-F0BB-DE4B-95CE-6DB70DBA9567}" type="datetimeFigureOut">
               <a:rPr lang="en-US" dirty="0"/>
               <a:pPr/>
-              <a:t>5/28/2018</a:t>
+              <a:t>7/19/2018</a:t>
             </a:fld>
             <a:endParaRPr lang="en-US" dirty="0"/>
           </a:p>
@@ -1456,7 +1452,7 @@
             <a:fld id="{B61BEF0D-F0BB-DE4B-95CE-6DB70DBA9567}" type="datetimeFigureOut">
               <a:rPr lang="en-US" dirty="0"/>
               <a:pPr/>
-              <a:t>5/28/2018</a:t>
+              <a:t>7/19/2018</a:t>
             </a:fld>
             <a:endParaRPr lang="en-US" dirty="0"/>
           </a:p>
@@ -1760,7 +1756,7 @@
             <a:fld id="{B61BEF0D-F0BB-DE4B-95CE-6DB70DBA9567}" type="datetimeFigureOut">
               <a:rPr lang="en-US" dirty="0"/>
               <a:pPr/>
-              <a:t>5/28/2018</a:t>
+              <a:t>7/19/2018</a:t>
             </a:fld>
             <a:endParaRPr lang="en-US" dirty="0"/>
           </a:p>
@@ -2059,7 +2055,7 @@
             <a:fld id="{B61BEF0D-F0BB-DE4B-95CE-6DB70DBA9567}" type="datetimeFigureOut">
               <a:rPr lang="en-US" dirty="0"/>
               <a:pPr/>
-              <a:t>5/28/2018</a:t>
+              <a:t>7/19/2018</a:t>
             </a:fld>
             <a:endParaRPr lang="en-US" dirty="0"/>
           </a:p>
@@ -2478,7 +2474,7 @@
             <a:fld id="{B61BEF0D-F0BB-DE4B-95CE-6DB70DBA9567}" type="datetimeFigureOut">
               <a:rPr lang="en-US" dirty="0"/>
               <a:pPr/>
-              <a:t>5/28/2018</a:t>
+              <a:t>7/19/2018</a:t>
             </a:fld>
             <a:endParaRPr lang="en-US" dirty="0"/>
           </a:p>
@@ -2570,7 +2566,7 @@
             <a:fld id="{B61BEF0D-F0BB-DE4B-95CE-6DB70DBA9567}" type="datetimeFigureOut">
               <a:rPr lang="en-US" dirty="0"/>
               <a:pPr/>
-              <a:t>5/28/2018</a:t>
+              <a:t>7/19/2018</a:t>
             </a:fld>
             <a:endParaRPr lang="en-US" dirty="0"/>
           </a:p>
@@ -2729,7 +2725,7 @@
             <a:fld id="{B61BEF0D-F0BB-DE4B-95CE-6DB70DBA9567}" type="datetimeFigureOut">
               <a:rPr lang="en-US" dirty="0"/>
               <a:pPr/>
-              <a:t>5/28/2018</a:t>
+              <a:t>7/19/2018</a:t>
             </a:fld>
             <a:endParaRPr lang="en-US" dirty="0"/>
           </a:p>
@@ -3104,7 +3100,7 @@
             <a:fld id="{B61BEF0D-F0BB-DE4B-95CE-6DB70DBA9567}" type="datetimeFigureOut">
               <a:rPr lang="en-US" dirty="0"/>
               <a:pPr/>
-              <a:t>5/28/2018</a:t>
+              <a:t>7/19/2018</a:t>
             </a:fld>
             <a:endParaRPr lang="en-US" dirty="0"/>
           </a:p>
@@ -3390,7 +3386,7 @@
             <a:fld id="{B61BEF0D-F0BB-DE4B-95CE-6DB70DBA9567}" type="datetimeFigureOut">
               <a:rPr lang="en-US" dirty="0"/>
               <a:pPr/>
-              <a:t>5/28/2018</a:t>
+              <a:t>7/19/2018</a:t>
             </a:fld>
             <a:endParaRPr lang="en-US" dirty="0"/>
           </a:p>
@@ -3598,7 +3594,7 @@
             <a:fld id="{B61BEF0D-F0BB-DE4B-95CE-6DB70DBA9567}" type="datetimeFigureOut">
               <a:rPr lang="en-US" dirty="0"/>
               <a:pPr/>
-              <a:t>5/28/2018</a:t>
+              <a:t>7/19/2018</a:t>
             </a:fld>
             <a:endParaRPr lang="en-US" dirty="0"/>
           </a:p>
@@ -4234,6 +4230,268 @@
               <a:t>Rate my code</a:t>
             </a:r>
             <a:endParaRPr lang="en-IN" sz="4400" dirty="0"/>
+          </a:p>
+        </p:txBody>
+      </p:sp>
+      <p:sp>
+        <p:nvSpPr>
+          <p:cNvPr id="4" name="Rectangle 3">
+            <a:extLst>
+              <a:ext uri="{FF2B5EF4-FFF2-40B4-BE49-F238E27FC236}">
+                <a16:creationId xmlns:a16="http://schemas.microsoft.com/office/drawing/2014/main" id="{FA95E1A7-B0C7-4FFB-84A1-255DC9FE3A66}"/>
+              </a:ext>
+            </a:extLst>
+          </p:cNvPr>
+          <p:cNvSpPr/>
+          <p:nvPr/>
+        </p:nvSpPr>
+        <p:spPr>
+          <a:xfrm>
+            <a:off x="5031408" y="3559040"/>
+            <a:ext cx="1330364" cy="369332"/>
+          </a:xfrm>
+          <a:prstGeom prst="rect">
+            <a:avLst/>
+          </a:prstGeom>
+        </p:spPr>
+        <p:txBody>
+          <a:bodyPr wrap="none">
+            <a:spAutoFit/>
+          </a:bodyPr>
+          <a:lstStyle/>
+          <a:p>
+            <a:pPr algn="ctr"/>
+            <a:r>
+              <a:rPr lang="en-US" dirty="0" err="1">
+                <a:ln w="0"/>
+                <a:solidFill>
+                  <a:schemeClr val="bg1"/>
+                </a:solidFill>
+                <a:effectLst>
+                  <a:outerShdw blurRad="38100" dist="19050" dir="2700000" algn="tl" rotWithShape="0">
+                    <a:schemeClr val="dk1">
+                      <a:alpha val="40000"/>
+                    </a:schemeClr>
+                  </a:outerShdw>
+                </a:effectLst>
+              </a:rPr>
+              <a:t>Shaily</a:t>
+            </a:r>
+            <a:r>
+              <a:rPr lang="en-US" dirty="0">
+                <a:ln w="0"/>
+                <a:solidFill>
+                  <a:schemeClr val="bg1"/>
+                </a:solidFill>
+                <a:effectLst>
+                  <a:outerShdw blurRad="38100" dist="19050" dir="2700000" algn="tl" rotWithShape="0">
+                    <a:schemeClr val="dk1">
+                      <a:alpha val="40000"/>
+                    </a:schemeClr>
+                  </a:outerShdw>
+                </a:effectLst>
+              </a:rPr>
+              <a:t> </a:t>
+            </a:r>
+            <a:r>
+              <a:rPr lang="en-US" dirty="0" err="1">
+                <a:ln w="0"/>
+                <a:solidFill>
+                  <a:schemeClr val="bg1"/>
+                </a:solidFill>
+                <a:effectLst>
+                  <a:outerShdw blurRad="38100" dist="19050" dir="2700000" algn="tl" rotWithShape="0">
+                    <a:schemeClr val="dk1">
+                      <a:alpha val="40000"/>
+                    </a:schemeClr>
+                  </a:outerShdw>
+                </a:effectLst>
+              </a:rPr>
+              <a:t>Khare</a:t>
+            </a:r>
+            <a:endParaRPr lang="en-US" dirty="0">
+              <a:ln w="0"/>
+              <a:solidFill>
+                <a:schemeClr val="bg1"/>
+              </a:solidFill>
+              <a:effectLst>
+                <a:outerShdw blurRad="38100" dist="19050" dir="2700000" algn="tl" rotWithShape="0">
+                  <a:schemeClr val="dk1">
+                    <a:alpha val="40000"/>
+                  </a:schemeClr>
+                </a:outerShdw>
+              </a:effectLst>
+            </a:endParaRPr>
+          </a:p>
+        </p:txBody>
+      </p:sp>
+      <p:sp>
+        <p:nvSpPr>
+          <p:cNvPr id="9" name="Rectangle 8">
+            <a:extLst>
+              <a:ext uri="{FF2B5EF4-FFF2-40B4-BE49-F238E27FC236}">
+                <a16:creationId xmlns:a16="http://schemas.microsoft.com/office/drawing/2014/main" id="{A2D4CCCA-D236-444E-B37C-5F6BEC15D06E}"/>
+              </a:ext>
+            </a:extLst>
+          </p:cNvPr>
+          <p:cNvSpPr/>
+          <p:nvPr/>
+        </p:nvSpPr>
+        <p:spPr>
+          <a:xfrm>
+            <a:off x="4931381" y="5299415"/>
+            <a:ext cx="1530419" cy="369332"/>
+          </a:xfrm>
+          <a:prstGeom prst="rect">
+            <a:avLst/>
+          </a:prstGeom>
+        </p:spPr>
+        <p:txBody>
+          <a:bodyPr wrap="none">
+            <a:spAutoFit/>
+          </a:bodyPr>
+          <a:lstStyle/>
+          <a:p>
+            <a:pPr algn="ctr"/>
+            <a:r>
+              <a:rPr lang="en-US" dirty="0">
+                <a:ln w="0"/>
+                <a:solidFill>
+                  <a:schemeClr val="bg1"/>
+                </a:solidFill>
+                <a:effectLst>
+                  <a:outerShdw blurRad="38100" dist="19050" dir="2700000" algn="tl" rotWithShape="0">
+                    <a:schemeClr val="dk1">
+                      <a:alpha val="40000"/>
+                    </a:schemeClr>
+                  </a:outerShdw>
+                </a:effectLst>
+              </a:rPr>
+              <a:t>Shruti Agrawal</a:t>
+            </a:r>
+          </a:p>
+        </p:txBody>
+      </p:sp>
+      <p:sp>
+        <p:nvSpPr>
+          <p:cNvPr id="10" name="Rectangle 9">
+            <a:extLst>
+              <a:ext uri="{FF2B5EF4-FFF2-40B4-BE49-F238E27FC236}">
+                <a16:creationId xmlns:a16="http://schemas.microsoft.com/office/drawing/2014/main" id="{B68CDD72-FB96-44BE-B3F3-D300D9DFC3EF}"/>
+              </a:ext>
+            </a:extLst>
+          </p:cNvPr>
+          <p:cNvSpPr/>
+          <p:nvPr/>
+        </p:nvSpPr>
+        <p:spPr>
+          <a:xfrm>
+            <a:off x="4837989" y="4116245"/>
+            <a:ext cx="1717201" cy="369332"/>
+          </a:xfrm>
+          <a:prstGeom prst="rect">
+            <a:avLst/>
+          </a:prstGeom>
+        </p:spPr>
+        <p:txBody>
+          <a:bodyPr wrap="none">
+            <a:spAutoFit/>
+          </a:bodyPr>
+          <a:lstStyle/>
+          <a:p>
+            <a:pPr algn="ctr"/>
+            <a:r>
+              <a:rPr lang="en-US" dirty="0">
+                <a:ln w="0"/>
+                <a:solidFill>
+                  <a:schemeClr val="bg1"/>
+                </a:solidFill>
+                <a:effectLst>
+                  <a:outerShdw blurRad="38100" dist="19050" dir="2700000" algn="tl" rotWithShape="0">
+                    <a:schemeClr val="dk1">
+                      <a:alpha val="40000"/>
+                    </a:schemeClr>
+                  </a:outerShdw>
+                </a:effectLst>
+              </a:rPr>
+              <a:t>Praveen Elagudri</a:t>
+            </a:r>
+          </a:p>
+        </p:txBody>
+      </p:sp>
+      <p:sp>
+        <p:nvSpPr>
+          <p:cNvPr id="11" name="Rectangle 10">
+            <a:extLst>
+              <a:ext uri="{FF2B5EF4-FFF2-40B4-BE49-F238E27FC236}">
+                <a16:creationId xmlns:a16="http://schemas.microsoft.com/office/drawing/2014/main" id="{9A9EA331-8CA5-4535-8DB4-E4D2368ABBB9}"/>
+              </a:ext>
+            </a:extLst>
+          </p:cNvPr>
+          <p:cNvSpPr/>
+          <p:nvPr/>
+        </p:nvSpPr>
+        <p:spPr>
+          <a:xfrm>
+            <a:off x="4733024" y="4673451"/>
+            <a:ext cx="1927131" cy="369332"/>
+          </a:xfrm>
+          <a:prstGeom prst="rect">
+            <a:avLst/>
+          </a:prstGeom>
+        </p:spPr>
+        <p:txBody>
+          <a:bodyPr wrap="none">
+            <a:spAutoFit/>
+          </a:bodyPr>
+          <a:lstStyle/>
+          <a:p>
+            <a:pPr algn="ctr"/>
+            <a:r>
+              <a:rPr lang="en-US" dirty="0">
+                <a:ln w="0"/>
+                <a:solidFill>
+                  <a:schemeClr val="bg1"/>
+                </a:solidFill>
+                <a:effectLst>
+                  <a:outerShdw blurRad="38100" dist="19050" dir="2700000" algn="tl" rotWithShape="0">
+                    <a:schemeClr val="dk1">
+                      <a:alpha val="40000"/>
+                    </a:schemeClr>
+                  </a:outerShdw>
+                </a:effectLst>
+              </a:rPr>
+              <a:t>Manmohan </a:t>
+            </a:r>
+            <a:r>
+              <a:rPr lang="en-US" dirty="0" err="1">
+                <a:ln w="0"/>
+                <a:solidFill>
+                  <a:schemeClr val="bg1"/>
+                </a:solidFill>
+                <a:effectLst>
+                  <a:outerShdw blurRad="38100" dist="19050" dir="2700000" algn="tl" rotWithShape="0">
+                    <a:schemeClr val="dk1">
+                      <a:alpha val="40000"/>
+                    </a:schemeClr>
+                  </a:outerShdw>
+                </a:effectLst>
+              </a:rPr>
+              <a:t>Gehlot</a:t>
+            </a:r>
+            <a:endParaRPr lang="en-US" dirty="0">
+              <a:ln w="0"/>
+              <a:solidFill>
+                <a:schemeClr val="bg1"/>
+              </a:solidFill>
+              <a:effectLst>
+                <a:outerShdw blurRad="38100" dist="19050" dir="2700000" algn="tl" rotWithShape="0">
+                  <a:schemeClr val="dk1">
+                    <a:alpha val="40000"/>
+                  </a:schemeClr>
+                </a:outerShdw>
+              </a:effectLst>
+            </a:endParaRPr>
           </a:p>
         </p:txBody>
       </p:sp>
